--- a/Aufgabe1/Präsentation.pptx
+++ b/Aufgabe1/Präsentation.pptx
@@ -3763,8 +3763,108 @@
           </a:xfrm>
         </p:spPr>
         <p:txBody>
-          <a:bodyPr/>
-          <a:lstStyle/>
+          <a:bodyPr vertOverflow="overflow" horzOverflow="overflow" vert="horz" wrap="square" lIns="91440" tIns="45720" rIns="91440" bIns="45720" numCol="1" spcCol="0" rtlCol="0" fromWordArt="0" anchor="t" anchorCtr="0" forceAA="0" upright="0" compatLnSpc="0">
+            <a:normAutofit fontScale="75000" lnSpcReduction="5000"/>
+          </a:bodyPr>
+          <a:lstStyle/>
+          <a:p>
+            <a:pPr marL="0" indent="0">
+              <a:buFont typeface="Arial"/>
+              <a:buNone/>
+              <a:defRPr/>
+            </a:pPr>
+            <a:r>
+              <a:rPr lang="en-US" sz="2800" b="1" i="0" u="none" strike="noStrike" cap="none" spc="0">
+                <a:solidFill>
+                  <a:schemeClr val="tx1"/>
+                </a:solidFill>
+                <a:latin typeface="Arial"/>
+                <a:ea typeface="Arial"/>
+                <a:cs typeface="Arial"/>
+              </a:rPr>
+              <a:t>Aufgabe 1:</a:t>
+            </a:r>
+            <a:endParaRPr lang="en-US" sz="2800" b="1" i="0" u="none" strike="noStrike" cap="none" spc="0">
+              <a:solidFill>
+                <a:schemeClr val="tx1"/>
+              </a:solidFill>
+              <a:latin typeface="Arial"/>
+              <a:ea typeface="Arial"/>
+              <a:cs typeface="Arial"/>
+            </a:endParaRPr>
+          </a:p>
+          <a:p>
+            <a:pPr>
+              <a:defRPr/>
+            </a:pPr>
+            <a:r>
+              <a:rPr lang="en-US" sz="2800" b="0" i="0" u="none" strike="noStrike" cap="none" spc="0">
+                <a:solidFill>
+                  <a:schemeClr val="tx1"/>
+                </a:solidFill>
+                <a:latin typeface="Arial"/>
+                <a:ea typeface="Arial"/>
+                <a:cs typeface="Arial"/>
+              </a:rPr>
+              <a:t>Die Datenquelle enthält Stellenauschreibungen für verschiedene Bereiche der Informatik</a:t>
+            </a:r>
+            <a:endParaRPr lang="en-US" sz="2800" b="0" i="0" u="none" strike="noStrike" cap="none" spc="0">
+              <a:solidFill>
+                <a:schemeClr val="tx1"/>
+              </a:solidFill>
+              <a:latin typeface="Arial"/>
+              <a:ea typeface="Arial"/>
+              <a:cs typeface="Arial"/>
+            </a:endParaRPr>
+          </a:p>
+          <a:p>
+            <a:pPr>
+              <a:defRPr/>
+            </a:pPr>
+            <a:r>
+              <a:rPr lang="en-US" sz="2800" b="0" i="0" u="none" strike="noStrike" cap="none" spc="0">
+                <a:solidFill>
+                  <a:schemeClr val="tx1"/>
+                </a:solidFill>
+                <a:latin typeface="Arial"/>
+                <a:ea typeface="Arial"/>
+                <a:cs typeface="Arial"/>
+              </a:rPr>
+              <a:t>Die Angaben zur Vergütung werden anhand von Umfragen der Anbieter und öffentlicher Angebote erhoben</a:t>
+            </a:r>
+            <a:endParaRPr lang="en-US" sz="2800" b="0" i="0" u="none" strike="noStrike" cap="none" spc="0">
+              <a:solidFill>
+                <a:schemeClr val="tx1"/>
+              </a:solidFill>
+              <a:latin typeface="Arial"/>
+              <a:ea typeface="Arial"/>
+              <a:cs typeface="Arial"/>
+            </a:endParaRPr>
+          </a:p>
+          <a:p>
+            <a:pPr>
+              <a:defRPr/>
+            </a:pPr>
+            <a:r>
+              <a:rPr lang="en-US" sz="2800" b="0" i="0" u="none" strike="noStrike" cap="none" spc="0">
+                <a:solidFill>
+                  <a:schemeClr val="tx1"/>
+                </a:solidFill>
+                <a:latin typeface="Arial"/>
+                <a:ea typeface="Arial"/>
+                <a:cs typeface="Arial"/>
+              </a:rPr>
+              <a:t>Die Daten sind recht verlässlich (viele Daten, Webseite zeigt hohe Transparenz)</a:t>
+            </a:r>
+            <a:endParaRPr lang="en-US" sz="2800" b="0" i="0" u="none" strike="noStrike" cap="none" spc="0">
+              <a:solidFill>
+                <a:schemeClr val="tx1"/>
+              </a:solidFill>
+              <a:latin typeface="Arial"/>
+              <a:ea typeface="Arial"/>
+              <a:cs typeface="Arial"/>
+            </a:endParaRPr>
+          </a:p>
           <a:p>
             <a:pPr marL="0" indent="0">
               <a:buFont typeface="Arial"/>
@@ -3782,7 +3882,7 @@
               </a:rPr>
               <a:t>Aufgabe 2:</a:t>
             </a:r>
-            <a:endParaRPr sz="2800" b="0" i="0" u="none" strike="noStrike" cap="none" spc="0">
+            <a:endParaRPr lang="en-US" sz="2800" b="1" i="0" u="none" strike="noStrike" cap="none" spc="0">
               <a:solidFill>
                 <a:schemeClr val="tx1"/>
               </a:solidFill>
@@ -3856,7 +3956,9 @@
             <a:endParaRPr sz="2800"/>
           </a:p>
           <a:p>
-            <a:pPr marR="0">
+            <a:pPr marL="0" marR="0" indent="0">
+              <a:buFont typeface="Arial"/>
+              <a:buNone/>
               <a:defRPr/>
             </a:pPr>
             <a:endParaRPr sz="2800"/>
@@ -3918,8 +4020,8 @@
         </p:blipFill>
         <p:spPr bwMode="auto">
           <a:xfrm rot="0" flipH="0" flipV="0">
-            <a:off x="526273" y="2218905"/>
-            <a:ext cx="11193229" cy="1441416"/>
+            <a:off x="526272" y="3546703"/>
+            <a:ext cx="8173204" cy="1052510"/>
           </a:xfrm>
           <a:prstGeom prst="rect">
             <a:avLst/>
@@ -3940,8 +4042,8 @@
         </p:blipFill>
         <p:spPr bwMode="auto">
           <a:xfrm rot="0" flipH="0" flipV="0">
-            <a:off x="3111630" y="4379365"/>
-            <a:ext cx="3829404" cy="2043205"/>
+            <a:off x="2390875" y="4816928"/>
+            <a:ext cx="3162334" cy="1687285"/>
           </a:xfrm>
           <a:prstGeom prst="rect">
             <a:avLst/>
